--- a/MD_Data_Record/Plan_MD_DataRecord.pptx
+++ b/MD_Data_Record/Plan_MD_DataRecord.pptx
@@ -259,7 +259,7 @@
           <a:p>
             <a:fld id="{632CFA00-7B84-A742-AC63-22A564A8268C}" type="datetimeFigureOut">
               <a:rPr lang="en-US" smtClean="0"/>
-              <a:t>3/15/18</a:t>
+              <a:t>3/16/18</a:t>
             </a:fld>
             <a:endParaRPr lang="en-US"/>
           </a:p>
@@ -457,7 +457,7 @@
           <a:p>
             <a:fld id="{632CFA00-7B84-A742-AC63-22A564A8268C}" type="datetimeFigureOut">
               <a:rPr lang="en-US" smtClean="0"/>
-              <a:t>3/15/18</a:t>
+              <a:t>3/16/18</a:t>
             </a:fld>
             <a:endParaRPr lang="en-US"/>
           </a:p>
@@ -665,7 +665,7 @@
           <a:p>
             <a:fld id="{632CFA00-7B84-A742-AC63-22A564A8268C}" type="datetimeFigureOut">
               <a:rPr lang="en-US" smtClean="0"/>
-              <a:t>3/15/18</a:t>
+              <a:t>3/16/18</a:t>
             </a:fld>
             <a:endParaRPr lang="en-US"/>
           </a:p>
@@ -863,7 +863,7 @@
           <a:p>
             <a:fld id="{632CFA00-7B84-A742-AC63-22A564A8268C}" type="datetimeFigureOut">
               <a:rPr lang="en-US" smtClean="0"/>
-              <a:t>3/15/18</a:t>
+              <a:t>3/16/18</a:t>
             </a:fld>
             <a:endParaRPr lang="en-US"/>
           </a:p>
@@ -1138,7 +1138,7 @@
           <a:p>
             <a:fld id="{632CFA00-7B84-A742-AC63-22A564A8268C}" type="datetimeFigureOut">
               <a:rPr lang="en-US" smtClean="0"/>
-              <a:t>3/15/18</a:t>
+              <a:t>3/16/18</a:t>
             </a:fld>
             <a:endParaRPr lang="en-US"/>
           </a:p>
@@ -1403,7 +1403,7 @@
           <a:p>
             <a:fld id="{632CFA00-7B84-A742-AC63-22A564A8268C}" type="datetimeFigureOut">
               <a:rPr lang="en-US" smtClean="0"/>
-              <a:t>3/15/18</a:t>
+              <a:t>3/16/18</a:t>
             </a:fld>
             <a:endParaRPr lang="en-US"/>
           </a:p>
@@ -1815,7 +1815,7 @@
           <a:p>
             <a:fld id="{632CFA00-7B84-A742-AC63-22A564A8268C}" type="datetimeFigureOut">
               <a:rPr lang="en-US" smtClean="0"/>
-              <a:t>3/15/18</a:t>
+              <a:t>3/16/18</a:t>
             </a:fld>
             <a:endParaRPr lang="en-US"/>
           </a:p>
@@ -1956,7 +1956,7 @@
           <a:p>
             <a:fld id="{632CFA00-7B84-A742-AC63-22A564A8268C}" type="datetimeFigureOut">
               <a:rPr lang="en-US" smtClean="0"/>
-              <a:t>3/15/18</a:t>
+              <a:t>3/16/18</a:t>
             </a:fld>
             <a:endParaRPr lang="en-US"/>
           </a:p>
@@ -2069,7 +2069,7 @@
           <a:p>
             <a:fld id="{632CFA00-7B84-A742-AC63-22A564A8268C}" type="datetimeFigureOut">
               <a:rPr lang="en-US" smtClean="0"/>
-              <a:t>3/15/18</a:t>
+              <a:t>3/16/18</a:t>
             </a:fld>
             <a:endParaRPr lang="en-US"/>
           </a:p>
@@ -2380,7 +2380,7 @@
           <a:p>
             <a:fld id="{632CFA00-7B84-A742-AC63-22A564A8268C}" type="datetimeFigureOut">
               <a:rPr lang="en-US" smtClean="0"/>
-              <a:t>3/15/18</a:t>
+              <a:t>3/16/18</a:t>
             </a:fld>
             <a:endParaRPr lang="en-US"/>
           </a:p>
@@ -2668,7 +2668,7 @@
           <a:p>
             <a:fld id="{632CFA00-7B84-A742-AC63-22A564A8268C}" type="datetimeFigureOut">
               <a:rPr lang="en-US" smtClean="0"/>
-              <a:t>3/15/18</a:t>
+              <a:t>3/16/18</a:t>
             </a:fld>
             <a:endParaRPr lang="en-US"/>
           </a:p>
@@ -2909,7 +2909,7 @@
           <a:p>
             <a:fld id="{632CFA00-7B84-A742-AC63-22A564A8268C}" type="datetimeFigureOut">
               <a:rPr lang="en-US" smtClean="0"/>
-              <a:t>3/15/18</a:t>
+              <a:t>3/16/18</a:t>
             </a:fld>
             <a:endParaRPr lang="en-US"/>
           </a:p>
@@ -3713,8 +3713,13 @@
               </a:r>
               <a:r>
                 <a:rPr lang="en-US" dirty="0"/>
-                <a:t>       Type:  Custom</a:t>
+                <a:t>       Type</a:t>
               </a:r>
+              <a:r>
+                <a:rPr lang="en-US"/>
+                <a:t>:  Record</a:t>
+              </a:r>
+              <a:endParaRPr lang="en-US" dirty="0"/>
             </a:p>
           </p:txBody>
         </p:sp>
